--- a/Design Question/Architecture_Alalytics_App.pptx
+++ b/Design Question/Architecture_Alalytics_App.pptx
@@ -291,7 +291,7 @@
             <a:fld id="{4FA8B6D1-8981-4DA3-AB46-ED712B836411}" type="datetimeFigureOut">
               <a:rPr lang="en-US" smtClean="0"/>
               <a:pPr/>
-              <a:t>29-Dec-19</a:t>
+              <a:t>30-Dec-19</a:t>
             </a:fld>
             <a:endParaRPr lang="en-US"/>
           </a:p>
@@ -458,7 +458,7 @@
             <a:fld id="{4FA8B6D1-8981-4DA3-AB46-ED712B836411}" type="datetimeFigureOut">
               <a:rPr lang="en-US" smtClean="0"/>
               <a:pPr/>
-              <a:t>29-Dec-19</a:t>
+              <a:t>30-Dec-19</a:t>
             </a:fld>
             <a:endParaRPr lang="en-US"/>
           </a:p>
@@ -635,7 +635,7 @@
             <a:fld id="{4FA8B6D1-8981-4DA3-AB46-ED712B836411}" type="datetimeFigureOut">
               <a:rPr lang="en-US" smtClean="0"/>
               <a:pPr/>
-              <a:t>29-Dec-19</a:t>
+              <a:t>30-Dec-19</a:t>
             </a:fld>
             <a:endParaRPr lang="en-US"/>
           </a:p>
@@ -802,7 +802,7 @@
             <a:fld id="{4FA8B6D1-8981-4DA3-AB46-ED712B836411}" type="datetimeFigureOut">
               <a:rPr lang="en-US" smtClean="0"/>
               <a:pPr/>
-              <a:t>29-Dec-19</a:t>
+              <a:t>30-Dec-19</a:t>
             </a:fld>
             <a:endParaRPr lang="en-US"/>
           </a:p>
@@ -1045,7 +1045,7 @@
             <a:fld id="{4FA8B6D1-8981-4DA3-AB46-ED712B836411}" type="datetimeFigureOut">
               <a:rPr lang="en-US" smtClean="0"/>
               <a:pPr/>
-              <a:t>29-Dec-19</a:t>
+              <a:t>30-Dec-19</a:t>
             </a:fld>
             <a:endParaRPr lang="en-US"/>
           </a:p>
@@ -1330,7 +1330,7 @@
             <a:fld id="{4FA8B6D1-8981-4DA3-AB46-ED712B836411}" type="datetimeFigureOut">
               <a:rPr lang="en-US" smtClean="0"/>
               <a:pPr/>
-              <a:t>29-Dec-19</a:t>
+              <a:t>30-Dec-19</a:t>
             </a:fld>
             <a:endParaRPr lang="en-US"/>
           </a:p>
@@ -1749,7 +1749,7 @@
             <a:fld id="{4FA8B6D1-8981-4DA3-AB46-ED712B836411}" type="datetimeFigureOut">
               <a:rPr lang="en-US" smtClean="0"/>
               <a:pPr/>
-              <a:t>29-Dec-19</a:t>
+              <a:t>30-Dec-19</a:t>
             </a:fld>
             <a:endParaRPr lang="en-US"/>
           </a:p>
@@ -1864,7 +1864,7 @@
             <a:fld id="{4FA8B6D1-8981-4DA3-AB46-ED712B836411}" type="datetimeFigureOut">
               <a:rPr lang="en-US" smtClean="0"/>
               <a:pPr/>
-              <a:t>29-Dec-19</a:t>
+              <a:t>30-Dec-19</a:t>
             </a:fld>
             <a:endParaRPr lang="en-US"/>
           </a:p>
@@ -1956,7 +1956,7 @@
             <a:fld id="{4FA8B6D1-8981-4DA3-AB46-ED712B836411}" type="datetimeFigureOut">
               <a:rPr lang="en-US" smtClean="0"/>
               <a:pPr/>
-              <a:t>29-Dec-19</a:t>
+              <a:t>30-Dec-19</a:t>
             </a:fld>
             <a:endParaRPr lang="en-US"/>
           </a:p>
@@ -2230,7 +2230,7 @@
             <a:fld id="{4FA8B6D1-8981-4DA3-AB46-ED712B836411}" type="datetimeFigureOut">
               <a:rPr lang="en-US" smtClean="0"/>
               <a:pPr/>
-              <a:t>29-Dec-19</a:t>
+              <a:t>30-Dec-19</a:t>
             </a:fld>
             <a:endParaRPr lang="en-US"/>
           </a:p>
@@ -2480,7 +2480,7 @@
             <a:fld id="{4FA8B6D1-8981-4DA3-AB46-ED712B836411}" type="datetimeFigureOut">
               <a:rPr lang="en-US" smtClean="0"/>
               <a:pPr/>
-              <a:t>29-Dec-19</a:t>
+              <a:t>30-Dec-19</a:t>
             </a:fld>
             <a:endParaRPr lang="en-US"/>
           </a:p>
@@ -2690,7 +2690,7 @@
             <a:fld id="{4FA8B6D1-8981-4DA3-AB46-ED712B836411}" type="datetimeFigureOut">
               <a:rPr lang="en-US" smtClean="0"/>
               <a:pPr/>
-              <a:t>29-Dec-19</a:t>
+              <a:t>30-Dec-19</a:t>
             </a:fld>
             <a:endParaRPr lang="en-US"/>
           </a:p>
@@ -3918,7 +3918,7 @@
                         <p:spPr>
                           <a:xfrm>
                             <a:off x="533400" y="3657601"/>
-                            <a:ext cx="1621629" cy="584451"/>
+                            <a:ext cx="1621629" cy="560099"/>
                           </a:xfrm>
                           <a:prstGeom prst="rect">
                             <a:avLst/>
@@ -3932,9 +3932,18 @@
                           <a:lstStyle/>
                           <a:p>
                             <a:r>
-                              <a:rPr lang="en-US" sz="1200" dirty="0" smtClean="0"/>
-                              <a:t>KAFKA</a:t>
+                              <a:rPr lang="en-US" sz="1050" b="1" dirty="0" err="1" smtClean="0"/>
+                              <a:t>Apche</a:t>
                             </a:r>
+                            <a:r>
+                              <a:rPr lang="en-US" sz="1050" b="1" dirty="0" smtClean="0"/>
+                              <a:t> </a:t>
+                            </a:r>
+                            <a:r>
+                              <a:rPr lang="en-US" sz="1050" b="1" dirty="0" err="1" smtClean="0"/>
+                              <a:t>KaFka</a:t>
+                            </a:r>
+                            <a:endParaRPr lang="en-US" sz="1050" b="1" dirty="0" smtClean="0"/>
                           </a:p>
                           <a:p>
                             <a:pPr>
@@ -4858,7 +4867,31 @@
           <a:p>
             <a:r>
               <a:rPr lang="en-US" sz="2000" dirty="0" smtClean="0"/>
-              <a:t>Based on user action on website/app micro service will process the data.</a:t>
+              <a:t>Based on user </a:t>
+            </a:r>
+            <a:r>
+              <a:rPr lang="en-US" sz="2000" dirty="0" smtClean="0"/>
+              <a:t>action/event </a:t>
+            </a:r>
+            <a:r>
+              <a:rPr lang="en-US" sz="2000" dirty="0" smtClean="0"/>
+              <a:t>on website/app micro service </a:t>
+            </a:r>
+            <a:r>
+              <a:rPr lang="en-US" sz="2000" smtClean="0"/>
+              <a:t>will </a:t>
+            </a:r>
+            <a:r>
+              <a:rPr lang="en-US" sz="2000" smtClean="0"/>
+              <a:t>capture and </a:t>
+            </a:r>
+            <a:r>
+              <a:rPr lang="en-US" sz="2000" dirty="0" smtClean="0"/>
+              <a:t>process </a:t>
+            </a:r>
+            <a:r>
+              <a:rPr lang="en-US" sz="2000" dirty="0" smtClean="0"/>
+              <a:t>the data.</a:t>
             </a:r>
           </a:p>
           <a:p>

--- a/Design Question/Architecture_Alalytics_App.pptx
+++ b/Design Question/Architecture_Alalytics_App.pptx
@@ -291,7 +291,7 @@
             <a:fld id="{4FA8B6D1-8981-4DA3-AB46-ED712B836411}" type="datetimeFigureOut">
               <a:rPr lang="en-US" smtClean="0"/>
               <a:pPr/>
-              <a:t>30-Dec-19</a:t>
+              <a:t>03-Jan-20</a:t>
             </a:fld>
             <a:endParaRPr lang="en-US"/>
           </a:p>
@@ -458,7 +458,7 @@
             <a:fld id="{4FA8B6D1-8981-4DA3-AB46-ED712B836411}" type="datetimeFigureOut">
               <a:rPr lang="en-US" smtClean="0"/>
               <a:pPr/>
-              <a:t>30-Dec-19</a:t>
+              <a:t>03-Jan-20</a:t>
             </a:fld>
             <a:endParaRPr lang="en-US"/>
           </a:p>
@@ -635,7 +635,7 @@
             <a:fld id="{4FA8B6D1-8981-4DA3-AB46-ED712B836411}" type="datetimeFigureOut">
               <a:rPr lang="en-US" smtClean="0"/>
               <a:pPr/>
-              <a:t>30-Dec-19</a:t>
+              <a:t>03-Jan-20</a:t>
             </a:fld>
             <a:endParaRPr lang="en-US"/>
           </a:p>
@@ -802,7 +802,7 @@
             <a:fld id="{4FA8B6D1-8981-4DA3-AB46-ED712B836411}" type="datetimeFigureOut">
               <a:rPr lang="en-US" smtClean="0"/>
               <a:pPr/>
-              <a:t>30-Dec-19</a:t>
+              <a:t>03-Jan-20</a:t>
             </a:fld>
             <a:endParaRPr lang="en-US"/>
           </a:p>
@@ -1045,7 +1045,7 @@
             <a:fld id="{4FA8B6D1-8981-4DA3-AB46-ED712B836411}" type="datetimeFigureOut">
               <a:rPr lang="en-US" smtClean="0"/>
               <a:pPr/>
-              <a:t>30-Dec-19</a:t>
+              <a:t>03-Jan-20</a:t>
             </a:fld>
             <a:endParaRPr lang="en-US"/>
           </a:p>
@@ -1330,7 +1330,7 @@
             <a:fld id="{4FA8B6D1-8981-4DA3-AB46-ED712B836411}" type="datetimeFigureOut">
               <a:rPr lang="en-US" smtClean="0"/>
               <a:pPr/>
-              <a:t>30-Dec-19</a:t>
+              <a:t>03-Jan-20</a:t>
             </a:fld>
             <a:endParaRPr lang="en-US"/>
           </a:p>
@@ -1749,7 +1749,7 @@
             <a:fld id="{4FA8B6D1-8981-4DA3-AB46-ED712B836411}" type="datetimeFigureOut">
               <a:rPr lang="en-US" smtClean="0"/>
               <a:pPr/>
-              <a:t>30-Dec-19</a:t>
+              <a:t>03-Jan-20</a:t>
             </a:fld>
             <a:endParaRPr lang="en-US"/>
           </a:p>
@@ -1864,7 +1864,7 @@
             <a:fld id="{4FA8B6D1-8981-4DA3-AB46-ED712B836411}" type="datetimeFigureOut">
               <a:rPr lang="en-US" smtClean="0"/>
               <a:pPr/>
-              <a:t>30-Dec-19</a:t>
+              <a:t>03-Jan-20</a:t>
             </a:fld>
             <a:endParaRPr lang="en-US"/>
           </a:p>
@@ -1956,7 +1956,7 @@
             <a:fld id="{4FA8B6D1-8981-4DA3-AB46-ED712B836411}" type="datetimeFigureOut">
               <a:rPr lang="en-US" smtClean="0"/>
               <a:pPr/>
-              <a:t>30-Dec-19</a:t>
+              <a:t>03-Jan-20</a:t>
             </a:fld>
             <a:endParaRPr lang="en-US"/>
           </a:p>
@@ -2230,7 +2230,7 @@
             <a:fld id="{4FA8B6D1-8981-4DA3-AB46-ED712B836411}" type="datetimeFigureOut">
               <a:rPr lang="en-US" smtClean="0"/>
               <a:pPr/>
-              <a:t>30-Dec-19</a:t>
+              <a:t>03-Jan-20</a:t>
             </a:fld>
             <a:endParaRPr lang="en-US"/>
           </a:p>
@@ -2480,7 +2480,7 @@
             <a:fld id="{4FA8B6D1-8981-4DA3-AB46-ED712B836411}" type="datetimeFigureOut">
               <a:rPr lang="en-US" smtClean="0"/>
               <a:pPr/>
-              <a:t>30-Dec-19</a:t>
+              <a:t>03-Jan-20</a:t>
             </a:fld>
             <a:endParaRPr lang="en-US"/>
           </a:p>
@@ -2690,7 +2690,7 @@
             <a:fld id="{4FA8B6D1-8981-4DA3-AB46-ED712B836411}" type="datetimeFigureOut">
               <a:rPr lang="en-US" smtClean="0"/>
               <a:pPr/>
-              <a:t>30-Dec-19</a:t>
+              <a:t>03-Jan-20</a:t>
             </a:fld>
             <a:endParaRPr lang="en-US"/>
           </a:p>
@@ -4656,8 +4656,8 @@
         </p:nvSpPr>
         <p:spPr>
           <a:xfrm>
-            <a:off x="2590800" y="533400"/>
-            <a:ext cx="1295400" cy="276999"/>
+            <a:off x="2819400" y="381000"/>
+            <a:ext cx="1905000" cy="830997"/>
           </a:xfrm>
           <a:prstGeom prst="rect">
             <a:avLst/>
@@ -4672,7 +4672,11 @@
           <a:p>
             <a:r>
               <a:rPr lang="en-US" sz="1200" dirty="0" smtClean="0"/>
-              <a:t>User event</a:t>
+              <a:t>Collect user event through  custom embedded script in website and send to server </a:t>
+            </a:r>
+            <a:r>
+              <a:rPr lang="en-US" sz="1200" smtClean="0"/>
+              <a:t>through http call.. </a:t>
             </a:r>
             <a:endParaRPr lang="en-US" sz="1200" dirty="0"/>
           </a:p>
@@ -4751,7 +4755,7 @@
         </p:nvSpPr>
         <p:spPr>
           <a:xfrm>
-            <a:off x="3124200" y="1066800"/>
+            <a:off x="3124200" y="1219200"/>
             <a:ext cx="3048000" cy="400110"/>
           </a:xfrm>
           <a:prstGeom prst="rect">
@@ -4867,31 +4871,15 @@
           <a:p>
             <a:r>
               <a:rPr lang="en-US" sz="2000" dirty="0" smtClean="0"/>
-              <a:t>Based on user </a:t>
+              <a:t>Based on user action/event on website/app micro service </a:t>
+            </a:r>
+            <a:r>
+              <a:rPr lang="en-US" sz="2000" smtClean="0"/>
+              <a:t>will capture and </a:t>
             </a:r>
             <a:r>
               <a:rPr lang="en-US" sz="2000" dirty="0" smtClean="0"/>
-              <a:t>action/event </a:t>
-            </a:r>
-            <a:r>
-              <a:rPr lang="en-US" sz="2000" dirty="0" smtClean="0"/>
-              <a:t>on website/app micro service </a:t>
-            </a:r>
-            <a:r>
-              <a:rPr lang="en-US" sz="2000" smtClean="0"/>
-              <a:t>will </a:t>
-            </a:r>
-            <a:r>
-              <a:rPr lang="en-US" sz="2000" smtClean="0"/>
-              <a:t>capture and </a:t>
-            </a:r>
-            <a:r>
-              <a:rPr lang="en-US" sz="2000" dirty="0" smtClean="0"/>
-              <a:t>process </a:t>
-            </a:r>
-            <a:r>
-              <a:rPr lang="en-US" sz="2000" dirty="0" smtClean="0"/>
-              <a:t>the data.</a:t>
+              <a:t>process the data.</a:t>
             </a:r>
           </a:p>
           <a:p>
